--- a/resources/sheet.pptx
+++ b/resources/sheet.pptx
@@ -104,6 +104,11 @@
       </a:defRPr>
     </a:lvl9pPr>
   </p:defaultTextStyle>
+  <p:extLst>
+    <p:ext uri="{EFAFB233-063F-42B5-8137-9DF3F51BA10A}">
+      <p15:sldGuideLst xmlns:p15="http://schemas.microsoft.com/office/powerpoint/2012/main"/>
+    </p:ext>
+  </p:extLst>
 </p:presentation>
 </file>
 
@@ -254,7 +259,7 @@
           <a:p>
             <a:fld id="{CCC7C5E8-F913-4E53-BD8C-B4BC7C4B658A}" type="datetimeFigureOut">
               <a:rPr kumimoji="1" lang="ja-JP" altLang="en-US" smtClean="0"/>
-              <a:t>2022/7/22</a:t>
+              <a:t>2022/7/28</a:t>
             </a:fld>
             <a:endParaRPr kumimoji="1" lang="ja-JP" altLang="en-US"/>
           </a:p>
@@ -484,7 +489,7 @@
           <a:p>
             <a:fld id="{CCC7C5E8-F913-4E53-BD8C-B4BC7C4B658A}" type="datetimeFigureOut">
               <a:rPr kumimoji="1" lang="ja-JP" altLang="en-US" smtClean="0"/>
-              <a:t>2022/7/22</a:t>
+              <a:t>2022/7/28</a:t>
             </a:fld>
             <a:endParaRPr kumimoji="1" lang="ja-JP" altLang="en-US"/>
           </a:p>
@@ -724,7 +729,7 @@
           <a:p>
             <a:fld id="{CCC7C5E8-F913-4E53-BD8C-B4BC7C4B658A}" type="datetimeFigureOut">
               <a:rPr kumimoji="1" lang="ja-JP" altLang="en-US" smtClean="0"/>
-              <a:t>2022/7/22</a:t>
+              <a:t>2022/7/28</a:t>
             </a:fld>
             <a:endParaRPr kumimoji="1" lang="ja-JP" altLang="en-US"/>
           </a:p>
@@ -954,7 +959,7 @@
           <a:p>
             <a:fld id="{CCC7C5E8-F913-4E53-BD8C-B4BC7C4B658A}" type="datetimeFigureOut">
               <a:rPr kumimoji="1" lang="ja-JP" altLang="en-US" smtClean="0"/>
-              <a:t>2022/7/22</a:t>
+              <a:t>2022/7/28</a:t>
             </a:fld>
             <a:endParaRPr kumimoji="1" lang="ja-JP" altLang="en-US"/>
           </a:p>
@@ -1229,7 +1234,7 @@
           <a:p>
             <a:fld id="{CCC7C5E8-F913-4E53-BD8C-B4BC7C4B658A}" type="datetimeFigureOut">
               <a:rPr kumimoji="1" lang="ja-JP" altLang="en-US" smtClean="0"/>
-              <a:t>2022/7/22</a:t>
+              <a:t>2022/7/28</a:t>
             </a:fld>
             <a:endParaRPr kumimoji="1" lang="ja-JP" altLang="en-US"/>
           </a:p>
@@ -1558,7 +1563,7 @@
           <a:p>
             <a:fld id="{CCC7C5E8-F913-4E53-BD8C-B4BC7C4B658A}" type="datetimeFigureOut">
               <a:rPr kumimoji="1" lang="ja-JP" altLang="en-US" smtClean="0"/>
-              <a:t>2022/7/22</a:t>
+              <a:t>2022/7/28</a:t>
             </a:fld>
             <a:endParaRPr kumimoji="1" lang="ja-JP" altLang="en-US"/>
           </a:p>
@@ -2034,7 +2039,7 @@
           <a:p>
             <a:fld id="{CCC7C5E8-F913-4E53-BD8C-B4BC7C4B658A}" type="datetimeFigureOut">
               <a:rPr kumimoji="1" lang="ja-JP" altLang="en-US" smtClean="0"/>
-              <a:t>2022/7/22</a:t>
+              <a:t>2022/7/28</a:t>
             </a:fld>
             <a:endParaRPr kumimoji="1" lang="ja-JP" altLang="en-US"/>
           </a:p>
@@ -2175,7 +2180,7 @@
           <a:p>
             <a:fld id="{CCC7C5E8-F913-4E53-BD8C-B4BC7C4B658A}" type="datetimeFigureOut">
               <a:rPr kumimoji="1" lang="ja-JP" altLang="en-US" smtClean="0"/>
-              <a:t>2022/7/22</a:t>
+              <a:t>2022/7/28</a:t>
             </a:fld>
             <a:endParaRPr kumimoji="1" lang="ja-JP" altLang="en-US"/>
           </a:p>
@@ -2288,7 +2293,7 @@
           <a:p>
             <a:fld id="{CCC7C5E8-F913-4E53-BD8C-B4BC7C4B658A}" type="datetimeFigureOut">
               <a:rPr kumimoji="1" lang="ja-JP" altLang="en-US" smtClean="0"/>
-              <a:t>2022/7/22</a:t>
+              <a:t>2022/7/28</a:t>
             </a:fld>
             <a:endParaRPr kumimoji="1" lang="ja-JP" altLang="en-US"/>
           </a:p>
@@ -2631,7 +2636,7 @@
           <a:p>
             <a:fld id="{CCC7C5E8-F913-4E53-BD8C-B4BC7C4B658A}" type="datetimeFigureOut">
               <a:rPr kumimoji="1" lang="ja-JP" altLang="en-US" smtClean="0"/>
-              <a:t>2022/7/22</a:t>
+              <a:t>2022/7/28</a:t>
             </a:fld>
             <a:endParaRPr kumimoji="1" lang="ja-JP" altLang="en-US"/>
           </a:p>
@@ -2919,7 +2924,7 @@
           <a:p>
             <a:fld id="{CCC7C5E8-F913-4E53-BD8C-B4BC7C4B658A}" type="datetimeFigureOut">
               <a:rPr kumimoji="1" lang="ja-JP" altLang="en-US" smtClean="0"/>
-              <a:t>2022/7/22</a:t>
+              <a:t>2022/7/28</a:t>
             </a:fld>
             <a:endParaRPr kumimoji="1" lang="ja-JP" altLang="en-US"/>
           </a:p>
@@ -3192,7 +3197,7 @@
           <a:p>
             <a:fld id="{CCC7C5E8-F913-4E53-BD8C-B4BC7C4B658A}" type="datetimeFigureOut">
               <a:rPr kumimoji="1" lang="ja-JP" altLang="en-US" smtClean="0"/>
-              <a:t>2022/7/22</a:t>
+              <a:t>2022/7/28</a:t>
             </a:fld>
             <a:endParaRPr kumimoji="1" lang="ja-JP" altLang="en-US"/>
           </a:p>
@@ -4077,8 +4082,8 @@
         </p:nvSpPr>
         <p:spPr>
           <a:xfrm>
-            <a:off x="972052" y="254213"/>
-            <a:ext cx="3650030" cy="673100"/>
+            <a:off x="2241273" y="674978"/>
+            <a:ext cx="810425" cy="279180"/>
           </a:xfrm>
           <a:prstGeom prst="rect">
             <a:avLst/>
@@ -4999,6 +5004,43 @@
           </a:p>
         </p:txBody>
       </p:sp>
+      <p:sp>
+        <p:nvSpPr>
+          <p:cNvPr id="33" name="テキスト ボックス 32">
+            <a:extLst>
+              <a:ext uri="{FF2B5EF4-FFF2-40B4-BE49-F238E27FC236}">
+                <a16:creationId xmlns:a16="http://schemas.microsoft.com/office/drawing/2014/main" id="{5D92B1CC-0585-D8C5-AC77-DE737742535C}"/>
+              </a:ext>
+            </a:extLst>
+          </p:cNvPr>
+          <p:cNvSpPr txBox="1"/>
+          <p:nvPr/>
+        </p:nvSpPr>
+        <p:spPr>
+          <a:xfrm>
+            <a:off x="312972" y="599689"/>
+            <a:ext cx="2831830" cy="461665"/>
+          </a:xfrm>
+          <a:prstGeom prst="rect">
+            <a:avLst/>
+          </a:prstGeom>
+          <a:noFill/>
+        </p:spPr>
+        <p:txBody>
+          <a:bodyPr vert="horz" wrap="square">
+            <a:spAutoFit/>
+          </a:bodyPr>
+          <a:lstStyle/>
+          <a:p>
+            <a:pPr algn="ctr"/>
+            <a:r>
+              <a:rPr kumimoji="1" lang="ja-JP" altLang="en-US" sz="2400" dirty="0"/>
+              <a:t>試行：</a:t>
+            </a:r>
+            <a:endParaRPr lang="en-US" altLang="ja-JP" sz="2400" dirty="0"/>
+          </a:p>
+        </p:txBody>
+      </p:sp>
     </p:spTree>
     <p:extLst>
       <p:ext uri="{BB962C8B-B14F-4D97-AF65-F5344CB8AC3E}">
